--- a/0试讲暨教学准备会/幻灯片.pptx
+++ b/0试讲暨教学准备会/幻灯片.pptx
@@ -6,7 +6,7 @@
     <p:sldMasterId id="2147483703" r:id="rId2"/>
   </p:sldMasterIdLst>
   <p:notesMasterIdLst>
-    <p:notesMasterId r:id="rId23"/>
+    <p:notesMasterId r:id="rId28"/>
   </p:notesMasterIdLst>
   <p:sldIdLst>
     <p:sldId id="257" r:id="rId3"/>
@@ -19,16 +19,21 @@
     <p:sldId id="330" r:id="rId10"/>
     <p:sldId id="331" r:id="rId11"/>
     <p:sldId id="332" r:id="rId12"/>
-    <p:sldId id="333" r:id="rId13"/>
-    <p:sldId id="334" r:id="rId14"/>
-    <p:sldId id="289" r:id="rId15"/>
-    <p:sldId id="298" r:id="rId16"/>
-    <p:sldId id="300" r:id="rId17"/>
-    <p:sldId id="302" r:id="rId18"/>
-    <p:sldId id="335" r:id="rId19"/>
-    <p:sldId id="336" r:id="rId20"/>
-    <p:sldId id="339" r:id="rId21"/>
-    <p:sldId id="337" r:id="rId22"/>
+    <p:sldId id="340" r:id="rId13"/>
+    <p:sldId id="333" r:id="rId14"/>
+    <p:sldId id="334" r:id="rId15"/>
+    <p:sldId id="289" r:id="rId16"/>
+    <p:sldId id="298" r:id="rId17"/>
+    <p:sldId id="300" r:id="rId18"/>
+    <p:sldId id="302" r:id="rId19"/>
+    <p:sldId id="335" r:id="rId20"/>
+    <p:sldId id="336" r:id="rId21"/>
+    <p:sldId id="341" r:id="rId22"/>
+    <p:sldId id="342" r:id="rId23"/>
+    <p:sldId id="343" r:id="rId24"/>
+    <p:sldId id="344" r:id="rId25"/>
+    <p:sldId id="339" r:id="rId26"/>
+    <p:sldId id="337" r:id="rId27"/>
   </p:sldIdLst>
   <p:sldSz cx="9144000" cy="6858000" type="screen4x3"/>
   <p:notesSz cx="6858000" cy="9144000"/>
@@ -4955,7 +4960,7 @@
           <a:p>
             <a:fld id="{E6BD0955-8AD6-4782-809A-9491788C2096}" type="slidenum">
               <a:rPr lang="zh-CN" altLang="en-US" smtClean="0"/>
-              <a:t>14</a:t>
+              <a:t>15</a:t>
             </a:fld>
             <a:endParaRPr lang="zh-CN" altLang="en-US"/>
           </a:p>
@@ -5075,7 +5080,7 @@
           <a:p>
             <a:fld id="{E6BD0955-8AD6-4782-809A-9491788C2096}" type="slidenum">
               <a:rPr lang="zh-CN" altLang="en-US" smtClean="0"/>
-              <a:t>15</a:t>
+              <a:t>16</a:t>
             </a:fld>
             <a:endParaRPr lang="zh-CN" altLang="en-US"/>
           </a:p>
@@ -12228,6 +12233,328 @@
           <p:cNvPr id="2" name="标题 1">
             <a:extLst>
               <a:ext uri="{FF2B5EF4-FFF2-40B4-BE49-F238E27FC236}">
+                <a16:creationId xmlns:a16="http://schemas.microsoft.com/office/drawing/2014/main" id="{7232BEFA-7CA6-41D8-BFF5-AD7C6BC5567C}"/>
+              </a:ext>
+            </a:extLst>
+          </p:cNvPr>
+          <p:cNvSpPr>
+            <a:spLocks noGrp="1"/>
+          </p:cNvSpPr>
+          <p:nvPr>
+            <p:ph type="title"/>
+          </p:nvPr>
+        </p:nvSpPr>
+        <p:spPr/>
+        <p:txBody>
+          <a:bodyPr/>
+          <a:lstStyle/>
+          <a:p>
+            <a:r>
+              <a:rPr lang="zh-CN" altLang="en-US" dirty="0"/>
+              <a:t>学习要求</a:t>
+            </a:r>
+          </a:p>
+        </p:txBody>
+      </p:sp>
+      <p:sp>
+        <p:nvSpPr>
+          <p:cNvPr id="3" name="文本占位符 2">
+            <a:extLst>
+              <a:ext uri="{FF2B5EF4-FFF2-40B4-BE49-F238E27FC236}">
+                <a16:creationId xmlns:a16="http://schemas.microsoft.com/office/drawing/2014/main" id="{10ED0017-F607-4AF1-9A83-6972E712B523}"/>
+              </a:ext>
+            </a:extLst>
+          </p:cNvPr>
+          <p:cNvSpPr>
+            <a:spLocks noGrp="1"/>
+          </p:cNvSpPr>
+          <p:nvPr>
+            <p:ph type="body" sz="quarter" idx="13"/>
+          </p:nvPr>
+        </p:nvSpPr>
+        <p:spPr/>
+        <p:txBody>
+          <a:bodyPr>
+            <a:normAutofit fontScale="85000" lnSpcReduction="20000"/>
+          </a:bodyPr>
+          <a:lstStyle/>
+          <a:p>
+            <a:r>
+              <a:rPr lang="en-US" altLang="zh-CN" dirty="0"/>
+              <a:t>4</a:t>
+            </a:r>
+            <a:endParaRPr lang="zh-CN" altLang="en-US" dirty="0"/>
+          </a:p>
+        </p:txBody>
+      </p:sp>
+      <p:sp>
+        <p:nvSpPr>
+          <p:cNvPr id="4" name="灯片编号占位符 3">
+            <a:extLst>
+              <a:ext uri="{FF2B5EF4-FFF2-40B4-BE49-F238E27FC236}">
+                <a16:creationId xmlns:a16="http://schemas.microsoft.com/office/drawing/2014/main" id="{4CED3B6B-EBAF-4A8F-A143-BBBF92C06772}"/>
+              </a:ext>
+            </a:extLst>
+          </p:cNvPr>
+          <p:cNvSpPr>
+            <a:spLocks noGrp="1"/>
+          </p:cNvSpPr>
+          <p:nvPr>
+            <p:ph type="sldNum" sz="quarter" idx="12"/>
+          </p:nvPr>
+        </p:nvSpPr>
+        <p:spPr/>
+        <p:txBody>
+          <a:bodyPr/>
+          <a:lstStyle/>
+          <a:p>
+            <a:fld id="{62CDD4FC-8CC6-422A-BB5C-9AD3EF3AE163}" type="slidenum">
+              <a:rPr lang="zh-CN" altLang="en-US" smtClean="0"/>
+              <a:pPr/>
+              <a:t>11</a:t>
+            </a:fld>
+            <a:endParaRPr lang="zh-CN" altLang="en-US" dirty="0"/>
+          </a:p>
+        </p:txBody>
+      </p:sp>
+      <p:sp>
+        <p:nvSpPr>
+          <p:cNvPr id="5" name="内容占位符 6">
+            <a:extLst>
+              <a:ext uri="{FF2B5EF4-FFF2-40B4-BE49-F238E27FC236}">
+                <a16:creationId xmlns:a16="http://schemas.microsoft.com/office/drawing/2014/main" id="{1D1C424E-E2E0-45DD-9E34-A7ECB093463E}"/>
+              </a:ext>
+            </a:extLst>
+          </p:cNvPr>
+          <p:cNvSpPr txBox="1">
+            <a:spLocks/>
+          </p:cNvSpPr>
+          <p:nvPr/>
+        </p:nvSpPr>
+        <p:spPr>
+          <a:xfrm>
+            <a:off x="628650" y="785614"/>
+            <a:ext cx="7886700" cy="4700786"/>
+          </a:xfrm>
+          <a:prstGeom prst="rect">
+            <a:avLst/>
+          </a:prstGeom>
+        </p:spPr>
+        <p:txBody>
+          <a:bodyPr vert="horz" lIns="91440" tIns="45720" rIns="91440" bIns="45720" rtlCol="0">
+            <a:normAutofit/>
+          </a:bodyPr>
+          <a:lstStyle>
+            <a:lvl1pPr marL="446088" indent="-446088">
+              <a:lnSpc>
+                <a:spcPct val="200000"/>
+              </a:lnSpc>
+              <a:spcBef>
+                <a:spcPts val="1000"/>
+              </a:spcBef>
+              <a:buClr>
+                <a:schemeClr val="accent5">
+                  <a:lumMod val="50000"/>
+                </a:schemeClr>
+              </a:buClr>
+              <a:buFont typeface="Wingdings" panose="05000000000000000000" pitchFamily="2" charset="2"/>
+              <a:buChar char="n"/>
+              <a:defRPr lang="zh-CN" altLang="en-US" sz="2800"/>
+            </a:lvl1pPr>
+            <a:lvl2pPr marL="806450" indent="-349250">
+              <a:lnSpc>
+                <a:spcPct val="120000"/>
+              </a:lnSpc>
+              <a:spcBef>
+                <a:spcPts val="500"/>
+              </a:spcBef>
+              <a:buClr>
+                <a:schemeClr val="accent5">
+                  <a:lumMod val="50000"/>
+                </a:schemeClr>
+              </a:buClr>
+              <a:buSzPct val="90000"/>
+              <a:buFont typeface="Wingdings" panose="05000000000000000000" pitchFamily="2" charset="2"/>
+              <a:buChar char="p"/>
+              <a:defRPr lang="zh-CN" altLang="en-US" sz="2400"/>
+            </a:lvl2pPr>
+            <a:lvl3pPr marL="1257300" indent="-342900">
+              <a:lnSpc>
+                <a:spcPct val="120000"/>
+              </a:lnSpc>
+              <a:spcBef>
+                <a:spcPts val="500"/>
+              </a:spcBef>
+              <a:buClr>
+                <a:schemeClr val="accent5">
+                  <a:lumMod val="50000"/>
+                </a:schemeClr>
+              </a:buClr>
+              <a:buSzPct val="80000"/>
+              <a:buFont typeface="Wingdings" panose="05000000000000000000" pitchFamily="2" charset="2"/>
+              <a:buChar char="l"/>
+              <a:defRPr lang="zh-CN" altLang="en-US" sz="2000"/>
+            </a:lvl3pPr>
+            <a:lvl4pPr marL="1600200" indent="-228600">
+              <a:lnSpc>
+                <a:spcPct val="120000"/>
+              </a:lnSpc>
+              <a:spcBef>
+                <a:spcPts val="500"/>
+              </a:spcBef>
+              <a:buFont typeface="Arial" panose="020B0604020202020204" pitchFamily="34" charset="0"/>
+              <a:buChar char="•"/>
+              <a:defRPr lang="zh-CN" altLang="en-US" dirty="0" smtClean="0"/>
+            </a:lvl4pPr>
+            <a:lvl5pPr marL="2057400" indent="-228600">
+              <a:lnSpc>
+                <a:spcPct val="120000"/>
+              </a:lnSpc>
+              <a:spcBef>
+                <a:spcPts val="500"/>
+              </a:spcBef>
+              <a:buFont typeface="Arial" panose="020B0604020202020204" pitchFamily="34" charset="0"/>
+              <a:buChar char="•"/>
+              <a:defRPr lang="en-US" altLang="en-US" dirty="0"/>
+            </a:lvl5pPr>
+            <a:lvl6pPr marL="2514600" indent="-228600">
+              <a:lnSpc>
+                <a:spcPct val="90000"/>
+              </a:lnSpc>
+              <a:spcBef>
+                <a:spcPts val="500"/>
+              </a:spcBef>
+              <a:buFont typeface="Arial" panose="020B0604020202020204" pitchFamily="34" charset="0"/>
+              <a:buChar char="•"/>
+            </a:lvl6pPr>
+            <a:lvl7pPr marL="2971800" indent="-228600">
+              <a:lnSpc>
+                <a:spcPct val="90000"/>
+              </a:lnSpc>
+              <a:spcBef>
+                <a:spcPts val="500"/>
+              </a:spcBef>
+              <a:buFont typeface="Arial" panose="020B0604020202020204" pitchFamily="34" charset="0"/>
+              <a:buChar char="•"/>
+            </a:lvl7pPr>
+            <a:lvl8pPr marL="3429000" indent="-228600">
+              <a:lnSpc>
+                <a:spcPct val="90000"/>
+              </a:lnSpc>
+              <a:spcBef>
+                <a:spcPts val="500"/>
+              </a:spcBef>
+              <a:buFont typeface="Arial" panose="020B0604020202020204" pitchFamily="34" charset="0"/>
+              <a:buChar char="•"/>
+            </a:lvl8pPr>
+            <a:lvl9pPr marL="3886200" indent="-228600">
+              <a:lnSpc>
+                <a:spcPct val="90000"/>
+              </a:lnSpc>
+              <a:spcBef>
+                <a:spcPts val="500"/>
+              </a:spcBef>
+              <a:buFont typeface="Arial" panose="020B0604020202020204" pitchFamily="34" charset="0"/>
+              <a:buChar char="•"/>
+            </a:lvl9pPr>
+          </a:lstStyle>
+          <a:p>
+            <a:pPr>
+              <a:lnSpc>
+                <a:spcPct val="150000"/>
+              </a:lnSpc>
+            </a:pPr>
+            <a:r>
+              <a:rPr lang="zh-CN" altLang="en-US" dirty="0"/>
+              <a:t>不要因为网课就放松自我要求</a:t>
+            </a:r>
+            <a:endParaRPr lang="en-US" altLang="zh-CN" dirty="0"/>
+          </a:p>
+          <a:p>
+            <a:pPr>
+              <a:lnSpc>
+                <a:spcPct val="150000"/>
+              </a:lnSpc>
+            </a:pPr>
+            <a:r>
+              <a:rPr lang="zh-CN" altLang="en-US" dirty="0"/>
+              <a:t>做好自己的学习计划</a:t>
+            </a:r>
+            <a:endParaRPr lang="en-US" altLang="zh-CN" dirty="0"/>
+          </a:p>
+          <a:p>
+            <a:pPr>
+              <a:lnSpc>
+                <a:spcPct val="150000"/>
+              </a:lnSpc>
+            </a:pPr>
+            <a:r>
+              <a:rPr lang="zh-CN" altLang="en-US" dirty="0"/>
+              <a:t>提前</a:t>
+            </a:r>
+            <a:r>
+              <a:rPr lang="en-US" altLang="zh-CN" dirty="0"/>
+              <a:t>10</a:t>
+            </a:r>
+            <a:r>
+              <a:rPr lang="zh-CN" altLang="en-US" dirty="0"/>
+              <a:t>分钟进入网络课堂</a:t>
+            </a:r>
+            <a:endParaRPr lang="en-US" altLang="zh-CN" dirty="0"/>
+          </a:p>
+          <a:p>
+            <a:pPr>
+              <a:lnSpc>
+                <a:spcPct val="150000"/>
+              </a:lnSpc>
+            </a:pPr>
+            <a:endParaRPr lang="en-US" altLang="zh-CN" dirty="0"/>
+          </a:p>
+          <a:p>
+            <a:pPr>
+              <a:lnSpc>
+                <a:spcPct val="150000"/>
+              </a:lnSpc>
+            </a:pPr>
+            <a:endParaRPr lang="zh-CN" altLang="en-US" dirty="0"/>
+          </a:p>
+        </p:txBody>
+      </p:sp>
+    </p:spTree>
+    <p:extLst>
+      <p:ext uri="{BB962C8B-B14F-4D97-AF65-F5344CB8AC3E}">
+        <p14:creationId xmlns:p14="http://schemas.microsoft.com/office/powerpoint/2010/main" val="1229560639"/>
+      </p:ext>
+    </p:extLst>
+  </p:cSld>
+  <p:clrMapOvr>
+    <a:masterClrMapping/>
+  </p:clrMapOvr>
+</p:sld>
+</file>
+
+<file path=ppt/slides/slide12.xml><?xml version="1.0" encoding="utf-8"?>
+<p:sld xmlns:a="http://schemas.openxmlformats.org/drawingml/2006/main" xmlns:r="http://schemas.openxmlformats.org/officeDocument/2006/relationships" xmlns:p="http://schemas.openxmlformats.org/presentationml/2006/main">
+  <p:cSld>
+    <p:spTree>
+      <p:nvGrpSpPr>
+        <p:cNvPr id="1" name=""/>
+        <p:cNvGrpSpPr/>
+        <p:nvPr/>
+      </p:nvGrpSpPr>
+      <p:grpSpPr>
+        <a:xfrm>
+          <a:off x="0" y="0"/>
+          <a:ext cx="0" cy="0"/>
+          <a:chOff x="0" y="0"/>
+          <a:chExt cx="0" cy="0"/>
+        </a:xfrm>
+      </p:grpSpPr>
+      <p:sp>
+        <p:nvSpPr>
+          <p:cNvPr id="2" name="标题 1">
+            <a:extLst>
+              <a:ext uri="{FF2B5EF4-FFF2-40B4-BE49-F238E27FC236}">
                 <a16:creationId xmlns:a16="http://schemas.microsoft.com/office/drawing/2014/main" id="{0FEBF8D4-7BC7-4007-A97C-60A9078922D2}"/>
               </a:ext>
             </a:extLst>
@@ -12268,7 +12595,7 @@
 </p:sld>
 </file>
 
-<file path=ppt/slides/slide12.xml><?xml version="1.0" encoding="utf-8"?>
+<file path=ppt/slides/slide13.xml><?xml version="1.0" encoding="utf-8"?>
 <p:sld xmlns:a="http://schemas.openxmlformats.org/drawingml/2006/main" xmlns:r="http://schemas.openxmlformats.org/officeDocument/2006/relationships" xmlns:p="http://schemas.openxmlformats.org/presentationml/2006/main">
   <p:cSld>
     <p:spTree>
@@ -12359,7 +12686,7 @@
 </p:sld>
 </file>
 
-<file path=ppt/slides/slide13.xml><?xml version="1.0" encoding="utf-8"?>
+<file path=ppt/slides/slide14.xml><?xml version="1.0" encoding="utf-8"?>
 <p:sld xmlns:a="http://schemas.openxmlformats.org/drawingml/2006/main" xmlns:r="http://schemas.openxmlformats.org/officeDocument/2006/relationships" xmlns:p="http://schemas.openxmlformats.org/presentationml/2006/main">
   <p:cSld>
     <p:spTree>
@@ -12394,7 +12721,7 @@
             <a:fld id="{62CDD4FC-8CC6-422A-BB5C-9AD3EF3AE163}" type="slidenum">
               <a:rPr lang="zh-CN" altLang="en-US" smtClean="0"/>
               <a:pPr/>
-              <a:t>13</a:t>
+              <a:t>14</a:t>
             </a:fld>
             <a:endParaRPr lang="zh-CN" altLang="en-US" dirty="0"/>
           </a:p>
@@ -12503,7 +12830,7 @@
 </p:sld>
 </file>
 
-<file path=ppt/slides/slide14.xml><?xml version="1.0" encoding="utf-8"?>
+<file path=ppt/slides/slide15.xml><?xml version="1.0" encoding="utf-8"?>
 <p:sld xmlns:a="http://schemas.openxmlformats.org/drawingml/2006/main" xmlns:r="http://schemas.openxmlformats.org/officeDocument/2006/relationships" xmlns:p="http://schemas.openxmlformats.org/presentationml/2006/main">
   <p:cSld>
     <p:spTree>
@@ -12638,7 +12965,7 @@
             <a:fld id="{62CDD4FC-8CC6-422A-BB5C-9AD3EF3AE163}" type="slidenum">
               <a:rPr lang="zh-CN" altLang="en-US" smtClean="0"/>
               <a:pPr/>
-              <a:t>14</a:t>
+              <a:t>15</a:t>
             </a:fld>
             <a:endParaRPr lang="zh-CN" altLang="en-US" dirty="0"/>
           </a:p>
@@ -12697,7 +13024,7 @@
 </p:sld>
 </file>
 
-<file path=ppt/slides/slide15.xml><?xml version="1.0" encoding="utf-8"?>
+<file path=ppt/slides/slide16.xml><?xml version="1.0" encoding="utf-8"?>
 <p:sld xmlns:a="http://schemas.openxmlformats.org/drawingml/2006/main" xmlns:r="http://schemas.openxmlformats.org/officeDocument/2006/relationships" xmlns:p="http://schemas.openxmlformats.org/presentationml/2006/main">
   <p:cSld>
     <p:spTree>
@@ -12830,7 +13157,7 @@
             <a:fld id="{62CDD4FC-8CC6-422A-BB5C-9AD3EF3AE163}" type="slidenum">
               <a:rPr lang="zh-CN" altLang="en-US" smtClean="0"/>
               <a:pPr/>
-              <a:t>15</a:t>
+              <a:t>16</a:t>
             </a:fld>
             <a:endParaRPr lang="zh-CN" altLang="en-US" dirty="0"/>
           </a:p>
@@ -12936,7 +13263,7 @@
 </p:sld>
 </file>
 
-<file path=ppt/slides/slide16.xml><?xml version="1.0" encoding="utf-8"?>
+<file path=ppt/slides/slide17.xml><?xml version="1.0" encoding="utf-8"?>
 <p:sld xmlns:a="http://schemas.openxmlformats.org/drawingml/2006/main" xmlns:r="http://schemas.openxmlformats.org/officeDocument/2006/relationships" xmlns:p="http://schemas.openxmlformats.org/presentationml/2006/main">
   <p:cSld>
     <p:spTree>
@@ -12971,7 +13298,7 @@
             <a:fld id="{62CDD4FC-8CC6-422A-BB5C-9AD3EF3AE163}" type="slidenum">
               <a:rPr lang="zh-CN" altLang="en-US" smtClean="0"/>
               <a:pPr/>
-              <a:t>16</a:t>
+              <a:t>17</a:t>
             </a:fld>
             <a:endParaRPr lang="zh-CN" altLang="en-US" dirty="0"/>
           </a:p>
@@ -13988,7 +14315,7 @@
 </p:sld>
 </file>
 
-<file path=ppt/slides/slide17.xml><?xml version="1.0" encoding="utf-8"?>
+<file path=ppt/slides/slide18.xml><?xml version="1.0" encoding="utf-8"?>
 <p:sld xmlns:a="http://schemas.openxmlformats.org/drawingml/2006/main" xmlns:r="http://schemas.openxmlformats.org/officeDocument/2006/relationships" xmlns:p="http://schemas.openxmlformats.org/presentationml/2006/main">
   <p:cSld>
     <p:spTree>
@@ -14075,7 +14402,7 @@
 </p:sld>
 </file>
 
-<file path=ppt/slides/slide18.xml><?xml version="1.0" encoding="utf-8"?>
+<file path=ppt/slides/slide19.xml><?xml version="1.0" encoding="utf-8"?>
 <p:sld xmlns:a="http://schemas.openxmlformats.org/drawingml/2006/main" xmlns:r="http://schemas.openxmlformats.org/officeDocument/2006/relationships" xmlns:p="http://schemas.openxmlformats.org/presentationml/2006/main">
   <p:cSld>
     <p:spTree>
@@ -14116,7 +14443,7 @@
             <a:fld id="{62CDD4FC-8CC6-422A-BB5C-9AD3EF3AE163}" type="slidenum">
               <a:rPr lang="zh-CN" altLang="en-US" smtClean="0"/>
               <a:pPr/>
-              <a:t>18</a:t>
+              <a:t>19</a:t>
             </a:fld>
             <a:endParaRPr lang="zh-CN" altLang="en-US" dirty="0"/>
           </a:p>
@@ -14466,101 +14793,6 @@
     <p:extLst>
       <p:ext uri="{BB962C8B-B14F-4D97-AF65-F5344CB8AC3E}">
         <p14:creationId xmlns:p14="http://schemas.microsoft.com/office/powerpoint/2010/main" val="3606712693"/>
-      </p:ext>
-    </p:extLst>
-  </p:cSld>
-  <p:clrMapOvr>
-    <a:masterClrMapping/>
-  </p:clrMapOvr>
-</p:sld>
-</file>
-
-<file path=ppt/slides/slide19.xml><?xml version="1.0" encoding="utf-8"?>
-<p:sld xmlns:a="http://schemas.openxmlformats.org/drawingml/2006/main" xmlns:r="http://schemas.openxmlformats.org/officeDocument/2006/relationships" xmlns:p="http://schemas.openxmlformats.org/presentationml/2006/main">
-  <p:cSld>
-    <p:spTree>
-      <p:nvGrpSpPr>
-        <p:cNvPr id="1" name=""/>
-        <p:cNvGrpSpPr/>
-        <p:nvPr/>
-      </p:nvGrpSpPr>
-      <p:grpSpPr>
-        <a:xfrm>
-          <a:off x="0" y="0"/>
-          <a:ext cx="0" cy="0"/>
-          <a:chOff x="0" y="0"/>
-          <a:chExt cx="0" cy="0"/>
-        </a:xfrm>
-      </p:grpSpPr>
-      <p:sp>
-        <p:nvSpPr>
-          <p:cNvPr id="2" name="标题 1">
-            <a:extLst>
-              <a:ext uri="{FF2B5EF4-FFF2-40B4-BE49-F238E27FC236}">
-                <a16:creationId xmlns:a16="http://schemas.microsoft.com/office/drawing/2014/main" id="{26929B0C-9DEC-4B7A-96BD-EE654A6C3915}"/>
-              </a:ext>
-            </a:extLst>
-          </p:cNvPr>
-          <p:cNvSpPr>
-            <a:spLocks noGrp="1"/>
-          </p:cNvSpPr>
-          <p:nvPr>
-            <p:ph type="title"/>
-          </p:nvPr>
-        </p:nvSpPr>
-        <p:spPr/>
-        <p:txBody>
-          <a:bodyPr/>
-          <a:lstStyle/>
-          <a:p>
-            <a:r>
-              <a:rPr lang="zh-CN" altLang="en-US" dirty="0"/>
-              <a:t>纸笔</a:t>
-            </a:r>
-            <a:r>
-              <a:rPr lang="en-US" altLang="zh-CN" dirty="0"/>
-              <a:t>+</a:t>
-            </a:r>
-            <a:r>
-              <a:rPr lang="zh-CN" altLang="en-US" dirty="0"/>
-              <a:t>大脑</a:t>
-            </a:r>
-          </a:p>
-        </p:txBody>
-      </p:sp>
-      <p:sp>
-        <p:nvSpPr>
-          <p:cNvPr id="3" name="文本占位符 2">
-            <a:extLst>
-              <a:ext uri="{FF2B5EF4-FFF2-40B4-BE49-F238E27FC236}">
-                <a16:creationId xmlns:a16="http://schemas.microsoft.com/office/drawing/2014/main" id="{5785014E-727A-4533-9AFC-94008AB9CC00}"/>
-              </a:ext>
-            </a:extLst>
-          </p:cNvPr>
-          <p:cNvSpPr>
-            <a:spLocks noGrp="1"/>
-          </p:cNvSpPr>
-          <p:nvPr>
-            <p:ph type="body" sz="quarter" idx="10"/>
-          </p:nvPr>
-        </p:nvSpPr>
-        <p:spPr/>
-        <p:txBody>
-          <a:bodyPr/>
-          <a:lstStyle/>
-          <a:p>
-            <a:r>
-              <a:rPr lang="en-US" altLang="zh-CN" dirty="0"/>
-              <a:t>3</a:t>
-            </a:r>
-            <a:endParaRPr lang="zh-CN" altLang="en-US" dirty="0"/>
-          </a:p>
-        </p:txBody>
-      </p:sp>
-    </p:spTree>
-    <p:extLst>
-      <p:ext uri="{BB962C8B-B14F-4D97-AF65-F5344CB8AC3E}">
-        <p14:creationId xmlns:p14="http://schemas.microsoft.com/office/powerpoint/2010/main" val="2668215046"/>
       </p:ext>
     </p:extLst>
   </p:cSld>
@@ -14985,6 +15217,1059 @@
       </p:grpSpPr>
       <p:sp>
         <p:nvSpPr>
+          <p:cNvPr id="9" name="标题 8">
+            <a:extLst>
+              <a:ext uri="{FF2B5EF4-FFF2-40B4-BE49-F238E27FC236}">
+                <a16:creationId xmlns:a16="http://schemas.microsoft.com/office/drawing/2014/main" id="{29D61AD2-F2EB-4E51-AA5F-DCA02A05E75E}"/>
+              </a:ext>
+            </a:extLst>
+          </p:cNvPr>
+          <p:cNvSpPr>
+            <a:spLocks noGrp="1"/>
+          </p:cNvSpPr>
+          <p:nvPr>
+            <p:ph type="title"/>
+          </p:nvPr>
+        </p:nvSpPr>
+        <p:spPr/>
+        <p:txBody>
+          <a:bodyPr/>
+          <a:lstStyle/>
+          <a:p>
+            <a:r>
+              <a:rPr lang="en-US" altLang="zh-CN" dirty="0" err="1"/>
+              <a:t>PythonJam</a:t>
+            </a:r>
+            <a:endParaRPr lang="zh-CN" altLang="en-US" dirty="0"/>
+          </a:p>
+        </p:txBody>
+      </p:sp>
+      <p:sp>
+        <p:nvSpPr>
+          <p:cNvPr id="10" name="文本占位符 9">
+            <a:extLst>
+              <a:ext uri="{FF2B5EF4-FFF2-40B4-BE49-F238E27FC236}">
+                <a16:creationId xmlns:a16="http://schemas.microsoft.com/office/drawing/2014/main" id="{BE3DDE99-F4BC-4FAA-BB8F-BBA6DFF11377}"/>
+              </a:ext>
+            </a:extLst>
+          </p:cNvPr>
+          <p:cNvSpPr>
+            <a:spLocks noGrp="1"/>
+          </p:cNvSpPr>
+          <p:nvPr>
+            <p:ph type="body" sz="quarter" idx="13"/>
+          </p:nvPr>
+        </p:nvSpPr>
+        <p:spPr/>
+        <p:txBody>
+          <a:bodyPr>
+            <a:normAutofit fontScale="85000" lnSpcReduction="20000"/>
+          </a:bodyPr>
+          <a:lstStyle/>
+          <a:p>
+            <a:r>
+              <a:rPr lang="en-US" altLang="zh-CN" dirty="0"/>
+              <a:t>1</a:t>
+            </a:r>
+            <a:endParaRPr lang="zh-CN" altLang="en-US" dirty="0"/>
+          </a:p>
+        </p:txBody>
+      </p:sp>
+      <p:sp>
+        <p:nvSpPr>
+          <p:cNvPr id="2" name="灯片编号占位符 1">
+            <a:extLst>
+              <a:ext uri="{FF2B5EF4-FFF2-40B4-BE49-F238E27FC236}">
+                <a16:creationId xmlns:a16="http://schemas.microsoft.com/office/drawing/2014/main" id="{4697CD18-BE1D-474B-9AD8-93969903ED73}"/>
+              </a:ext>
+            </a:extLst>
+          </p:cNvPr>
+          <p:cNvSpPr>
+            <a:spLocks noGrp="1"/>
+          </p:cNvSpPr>
+          <p:nvPr>
+            <p:ph type="sldNum" sz="quarter" idx="12"/>
+          </p:nvPr>
+        </p:nvSpPr>
+        <p:spPr/>
+        <p:txBody>
+          <a:bodyPr/>
+          <a:lstStyle/>
+          <a:p>
+            <a:fld id="{62CDD4FC-8CC6-422A-BB5C-9AD3EF3AE163}" type="slidenum">
+              <a:rPr lang="zh-CN" altLang="en-US" smtClean="0"/>
+              <a:pPr/>
+              <a:t>20</a:t>
+            </a:fld>
+            <a:endParaRPr lang="zh-CN" altLang="en-US" dirty="0"/>
+          </a:p>
+        </p:txBody>
+      </p:sp>
+      <p:pic>
+        <p:nvPicPr>
+          <p:cNvPr id="4" name="图片 3">
+            <a:extLst>
+              <a:ext uri="{FF2B5EF4-FFF2-40B4-BE49-F238E27FC236}">
+                <a16:creationId xmlns:a16="http://schemas.microsoft.com/office/drawing/2014/main" id="{AAD1C4E9-CA4B-4511-AD10-55DAE5680D5F}"/>
+              </a:ext>
+            </a:extLst>
+          </p:cNvPr>
+          <p:cNvPicPr>
+            <a:picLocks noChangeAspect="1"/>
+          </p:cNvPicPr>
+          <p:nvPr/>
+        </p:nvPicPr>
+        <p:blipFill>
+          <a:blip r:embed="rId2" cstate="print">
+            <a:extLst>
+              <a:ext uri="{28A0092B-C50C-407E-A947-70E740481C1C}">
+                <a14:useLocalDpi xmlns:a14="http://schemas.microsoft.com/office/drawing/2010/main" val="0"/>
+              </a:ext>
+            </a:extLst>
+          </a:blip>
+          <a:stretch>
+            <a:fillRect/>
+          </a:stretch>
+        </p:blipFill>
+        <p:spPr>
+          <a:xfrm>
+            <a:off x="197698" y="978194"/>
+            <a:ext cx="2535866" cy="4508207"/>
+          </a:xfrm>
+          <a:prstGeom prst="rect">
+            <a:avLst/>
+          </a:prstGeom>
+          <a:ln>
+            <a:noFill/>
+          </a:ln>
+          <a:effectLst>
+            <a:outerShdw blurRad="292100" dist="139700" dir="2700000" algn="tl" rotWithShape="0">
+              <a:srgbClr val="333333">
+                <a:alpha val="65000"/>
+              </a:srgbClr>
+            </a:outerShdw>
+          </a:effectLst>
+        </p:spPr>
+      </p:pic>
+      <p:pic>
+        <p:nvPicPr>
+          <p:cNvPr id="6" name="图片 5">
+            <a:extLst>
+              <a:ext uri="{FF2B5EF4-FFF2-40B4-BE49-F238E27FC236}">
+                <a16:creationId xmlns:a16="http://schemas.microsoft.com/office/drawing/2014/main" id="{4D42BCD6-359D-45A1-B9F6-B23F918A2824}"/>
+              </a:ext>
+            </a:extLst>
+          </p:cNvPr>
+          <p:cNvPicPr>
+            <a:picLocks noChangeAspect="1"/>
+          </p:cNvPicPr>
+          <p:nvPr/>
+        </p:nvPicPr>
+        <p:blipFill>
+          <a:blip r:embed="rId3" cstate="print">
+            <a:extLst>
+              <a:ext uri="{28A0092B-C50C-407E-A947-70E740481C1C}">
+                <a14:useLocalDpi xmlns:a14="http://schemas.microsoft.com/office/drawing/2010/main" val="0"/>
+              </a:ext>
+            </a:extLst>
+          </a:blip>
+          <a:stretch>
+            <a:fillRect/>
+          </a:stretch>
+        </p:blipFill>
+        <p:spPr>
+          <a:xfrm>
+            <a:off x="3304067" y="978194"/>
+            <a:ext cx="2535866" cy="4508206"/>
+          </a:xfrm>
+          <a:prstGeom prst="rect">
+            <a:avLst/>
+          </a:prstGeom>
+          <a:ln>
+            <a:noFill/>
+          </a:ln>
+          <a:effectLst>
+            <a:outerShdw blurRad="292100" dist="139700" dir="2700000" algn="tl" rotWithShape="0">
+              <a:srgbClr val="333333">
+                <a:alpha val="65000"/>
+              </a:srgbClr>
+            </a:outerShdw>
+          </a:effectLst>
+        </p:spPr>
+      </p:pic>
+      <p:pic>
+        <p:nvPicPr>
+          <p:cNvPr id="8" name="图片 7">
+            <a:extLst>
+              <a:ext uri="{FF2B5EF4-FFF2-40B4-BE49-F238E27FC236}">
+                <a16:creationId xmlns:a16="http://schemas.microsoft.com/office/drawing/2014/main" id="{A737E1E1-4174-4334-8484-8FA3F8F59CD8}"/>
+              </a:ext>
+            </a:extLst>
+          </p:cNvPr>
+          <p:cNvPicPr>
+            <a:picLocks noChangeAspect="1"/>
+          </p:cNvPicPr>
+          <p:nvPr/>
+        </p:nvPicPr>
+        <p:blipFill>
+          <a:blip r:embed="rId4" cstate="print">
+            <a:extLst>
+              <a:ext uri="{28A0092B-C50C-407E-A947-70E740481C1C}">
+                <a14:useLocalDpi xmlns:a14="http://schemas.microsoft.com/office/drawing/2010/main" val="0"/>
+              </a:ext>
+            </a:extLst>
+          </a:blip>
+          <a:stretch>
+            <a:fillRect/>
+          </a:stretch>
+        </p:blipFill>
+        <p:spPr>
+          <a:xfrm>
+            <a:off x="6238001" y="978194"/>
+            <a:ext cx="2535866" cy="4508206"/>
+          </a:xfrm>
+          <a:prstGeom prst="rect">
+            <a:avLst/>
+          </a:prstGeom>
+          <a:ln>
+            <a:noFill/>
+          </a:ln>
+          <a:effectLst>
+            <a:outerShdw blurRad="292100" dist="139700" dir="2700000" algn="tl" rotWithShape="0">
+              <a:srgbClr val="333333">
+                <a:alpha val="65000"/>
+              </a:srgbClr>
+            </a:outerShdw>
+          </a:effectLst>
+        </p:spPr>
+      </p:pic>
+      <p:sp>
+        <p:nvSpPr>
+          <p:cNvPr id="11" name="文本框 10">
+            <a:extLst>
+              <a:ext uri="{FF2B5EF4-FFF2-40B4-BE49-F238E27FC236}">
+                <a16:creationId xmlns:a16="http://schemas.microsoft.com/office/drawing/2014/main" id="{D30A71BD-3B76-42E9-B4D5-5A17670D1602}"/>
+              </a:ext>
+            </a:extLst>
+          </p:cNvPr>
+          <p:cNvSpPr txBox="1"/>
+          <p:nvPr/>
+        </p:nvSpPr>
+        <p:spPr>
+          <a:xfrm>
+            <a:off x="2094614" y="5763259"/>
+            <a:ext cx="4483920" cy="646331"/>
+          </a:xfrm>
+          <a:prstGeom prst="rect">
+            <a:avLst/>
+          </a:prstGeom>
+          <a:solidFill>
+            <a:schemeClr val="accent2"/>
+          </a:solidFill>
+        </p:spPr>
+        <p:txBody>
+          <a:bodyPr wrap="none" rtlCol="0">
+            <a:spAutoFit/>
+          </a:bodyPr>
+          <a:lstStyle/>
+          <a:p>
+            <a:r>
+              <a:rPr lang="en-US" altLang="zh-CN" dirty="0">
+                <a:solidFill>
+                  <a:schemeClr val="bg1"/>
+                </a:solidFill>
+              </a:rPr>
+              <a:t>1.</a:t>
+            </a:r>
+            <a:r>
+              <a:rPr lang="zh-CN" altLang="en-US" dirty="0">
+                <a:solidFill>
+                  <a:schemeClr val="bg1"/>
+                </a:solidFill>
+              </a:rPr>
+              <a:t> 一定要更新到最新版本</a:t>
+            </a:r>
+            <a:endParaRPr lang="en-US" altLang="zh-CN" dirty="0">
+              <a:solidFill>
+                <a:schemeClr val="bg1"/>
+              </a:solidFill>
+            </a:endParaRPr>
+          </a:p>
+          <a:p>
+            <a:r>
+              <a:rPr lang="en-US" altLang="zh-CN" dirty="0">
+                <a:solidFill>
+                  <a:schemeClr val="bg1"/>
+                </a:solidFill>
+              </a:rPr>
+              <a:t>2. </a:t>
+            </a:r>
+            <a:r>
+              <a:rPr lang="zh-CN" altLang="en-US" dirty="0">
+                <a:solidFill>
+                  <a:schemeClr val="bg1"/>
+                </a:solidFill>
+              </a:rPr>
+              <a:t>一定要赋予</a:t>
+            </a:r>
+            <a:r>
+              <a:rPr lang="en-US" altLang="zh-CN" dirty="0">
+                <a:solidFill>
+                  <a:schemeClr val="bg1"/>
+                </a:solidFill>
+              </a:rPr>
+              <a:t>APP</a:t>
+            </a:r>
+            <a:r>
+              <a:rPr lang="zh-CN" altLang="en-US" dirty="0">
+                <a:solidFill>
+                  <a:schemeClr val="bg1"/>
+                </a:solidFill>
+              </a:rPr>
+              <a:t>“读写手机存储”权限</a:t>
+            </a:r>
+          </a:p>
+        </p:txBody>
+      </p:sp>
+    </p:spTree>
+    <p:extLst>
+      <p:ext uri="{BB962C8B-B14F-4D97-AF65-F5344CB8AC3E}">
+        <p14:creationId xmlns:p14="http://schemas.microsoft.com/office/powerpoint/2010/main" val="3279361310"/>
+      </p:ext>
+    </p:extLst>
+  </p:cSld>
+  <p:clrMapOvr>
+    <a:masterClrMapping/>
+  </p:clrMapOvr>
+</p:sld>
+</file>
+
+<file path=ppt/slides/slide21.xml><?xml version="1.0" encoding="utf-8"?>
+<p:sld xmlns:a="http://schemas.openxmlformats.org/drawingml/2006/main" xmlns:r="http://schemas.openxmlformats.org/officeDocument/2006/relationships" xmlns:p="http://schemas.openxmlformats.org/presentationml/2006/main">
+  <p:cSld>
+    <p:spTree>
+      <p:nvGrpSpPr>
+        <p:cNvPr id="1" name=""/>
+        <p:cNvGrpSpPr/>
+        <p:nvPr/>
+      </p:nvGrpSpPr>
+      <p:grpSpPr>
+        <a:xfrm>
+          <a:off x="0" y="0"/>
+          <a:ext cx="0" cy="0"/>
+          <a:chOff x="0" y="0"/>
+          <a:chExt cx="0" cy="0"/>
+        </a:xfrm>
+      </p:grpSpPr>
+      <p:sp>
+        <p:nvSpPr>
+          <p:cNvPr id="2" name="灯片编号占位符 1">
+            <a:extLst>
+              <a:ext uri="{FF2B5EF4-FFF2-40B4-BE49-F238E27FC236}">
+                <a16:creationId xmlns:a16="http://schemas.microsoft.com/office/drawing/2014/main" id="{37200267-5A92-46FC-9151-545A52005536}"/>
+              </a:ext>
+            </a:extLst>
+          </p:cNvPr>
+          <p:cNvSpPr>
+            <a:spLocks noGrp="1"/>
+          </p:cNvSpPr>
+          <p:nvPr>
+            <p:ph type="sldNum" sz="quarter" idx="12"/>
+          </p:nvPr>
+        </p:nvSpPr>
+        <p:spPr/>
+        <p:txBody>
+          <a:bodyPr/>
+          <a:lstStyle/>
+          <a:p>
+            <a:fld id="{62CDD4FC-8CC6-422A-BB5C-9AD3EF3AE163}" type="slidenum">
+              <a:rPr lang="zh-CN" altLang="en-US" smtClean="0"/>
+              <a:pPr/>
+              <a:t>21</a:t>
+            </a:fld>
+            <a:endParaRPr lang="zh-CN" altLang="en-US" dirty="0"/>
+          </a:p>
+        </p:txBody>
+      </p:sp>
+      <p:pic>
+        <p:nvPicPr>
+          <p:cNvPr id="4" name="图片 3">
+            <a:extLst>
+              <a:ext uri="{FF2B5EF4-FFF2-40B4-BE49-F238E27FC236}">
+                <a16:creationId xmlns:a16="http://schemas.microsoft.com/office/drawing/2014/main" id="{F66183CF-B641-4EDA-8723-8830CAFDE3AF}"/>
+              </a:ext>
+            </a:extLst>
+          </p:cNvPr>
+          <p:cNvPicPr>
+            <a:picLocks noChangeAspect="1"/>
+          </p:cNvPicPr>
+          <p:nvPr/>
+        </p:nvPicPr>
+        <p:blipFill>
+          <a:blip r:embed="rId2" cstate="print">
+            <a:extLst>
+              <a:ext uri="{28A0092B-C50C-407E-A947-70E740481C1C}">
+                <a14:useLocalDpi xmlns:a14="http://schemas.microsoft.com/office/drawing/2010/main" val="0"/>
+              </a:ext>
+            </a:extLst>
+          </a:blip>
+          <a:stretch>
+            <a:fillRect/>
+          </a:stretch>
+        </p:blipFill>
+        <p:spPr>
+          <a:xfrm>
+            <a:off x="210645" y="744279"/>
+            <a:ext cx="2739213" cy="4869712"/>
+          </a:xfrm>
+          <a:prstGeom prst="rect">
+            <a:avLst/>
+          </a:prstGeom>
+          <a:ln>
+            <a:noFill/>
+          </a:ln>
+          <a:effectLst>
+            <a:outerShdw blurRad="292100" dist="139700" dir="2700000" algn="tl" rotWithShape="0">
+              <a:srgbClr val="333333">
+                <a:alpha val="65000"/>
+              </a:srgbClr>
+            </a:outerShdw>
+          </a:effectLst>
+        </p:spPr>
+      </p:pic>
+      <p:pic>
+        <p:nvPicPr>
+          <p:cNvPr id="6" name="图片 5">
+            <a:extLst>
+              <a:ext uri="{FF2B5EF4-FFF2-40B4-BE49-F238E27FC236}">
+                <a16:creationId xmlns:a16="http://schemas.microsoft.com/office/drawing/2014/main" id="{6EFB4391-C39F-4A49-B5CF-5E13CA1AC562}"/>
+              </a:ext>
+            </a:extLst>
+          </p:cNvPr>
+          <p:cNvPicPr>
+            <a:picLocks noChangeAspect="1"/>
+          </p:cNvPicPr>
+          <p:nvPr/>
+        </p:nvPicPr>
+        <p:blipFill>
+          <a:blip r:embed="rId3" cstate="print">
+            <a:extLst>
+              <a:ext uri="{28A0092B-C50C-407E-A947-70E740481C1C}">
+                <a14:useLocalDpi xmlns:a14="http://schemas.microsoft.com/office/drawing/2010/main" val="0"/>
+              </a:ext>
+            </a:extLst>
+          </a:blip>
+          <a:stretch>
+            <a:fillRect/>
+          </a:stretch>
+        </p:blipFill>
+        <p:spPr>
+          <a:xfrm>
+            <a:off x="3123303" y="744279"/>
+            <a:ext cx="2739213" cy="4869712"/>
+          </a:xfrm>
+          <a:prstGeom prst="rect">
+            <a:avLst/>
+          </a:prstGeom>
+          <a:ln>
+            <a:noFill/>
+          </a:ln>
+          <a:effectLst>
+            <a:outerShdw blurRad="292100" dist="139700" dir="2700000" algn="tl" rotWithShape="0">
+              <a:srgbClr val="333333">
+                <a:alpha val="65000"/>
+              </a:srgbClr>
+            </a:outerShdw>
+          </a:effectLst>
+        </p:spPr>
+      </p:pic>
+      <p:pic>
+        <p:nvPicPr>
+          <p:cNvPr id="8" name="图片 7">
+            <a:extLst>
+              <a:ext uri="{FF2B5EF4-FFF2-40B4-BE49-F238E27FC236}">
+                <a16:creationId xmlns:a16="http://schemas.microsoft.com/office/drawing/2014/main" id="{9A2A1A7D-1ACC-4138-99D2-ED4466BFFE46}"/>
+              </a:ext>
+            </a:extLst>
+          </p:cNvPr>
+          <p:cNvPicPr>
+            <a:picLocks noChangeAspect="1"/>
+          </p:cNvPicPr>
+          <p:nvPr/>
+        </p:nvPicPr>
+        <p:blipFill>
+          <a:blip r:embed="rId4" cstate="print">
+            <a:extLst>
+              <a:ext uri="{28A0092B-C50C-407E-A947-70E740481C1C}">
+                <a14:useLocalDpi xmlns:a14="http://schemas.microsoft.com/office/drawing/2010/main" val="0"/>
+              </a:ext>
+            </a:extLst>
+          </a:blip>
+          <a:stretch>
+            <a:fillRect/>
+          </a:stretch>
+        </p:blipFill>
+        <p:spPr>
+          <a:xfrm>
+            <a:off x="6035961" y="744279"/>
+            <a:ext cx="2739213" cy="4869712"/>
+          </a:xfrm>
+          <a:prstGeom prst="rect">
+            <a:avLst/>
+          </a:prstGeom>
+          <a:ln>
+            <a:noFill/>
+          </a:ln>
+          <a:effectLst>
+            <a:outerShdw blurRad="292100" dist="139700" dir="2700000" algn="tl" rotWithShape="0">
+              <a:srgbClr val="333333">
+                <a:alpha val="65000"/>
+              </a:srgbClr>
+            </a:outerShdw>
+          </a:effectLst>
+        </p:spPr>
+      </p:pic>
+    </p:spTree>
+    <p:extLst>
+      <p:ext uri="{BB962C8B-B14F-4D97-AF65-F5344CB8AC3E}">
+        <p14:creationId xmlns:p14="http://schemas.microsoft.com/office/powerpoint/2010/main" val="3473786055"/>
+      </p:ext>
+    </p:extLst>
+  </p:cSld>
+  <p:clrMapOvr>
+    <a:masterClrMapping/>
+  </p:clrMapOvr>
+</p:sld>
+</file>
+
+<file path=ppt/slides/slide22.xml><?xml version="1.0" encoding="utf-8"?>
+<p:sld xmlns:a="http://schemas.openxmlformats.org/drawingml/2006/main" xmlns:r="http://schemas.openxmlformats.org/officeDocument/2006/relationships" xmlns:p="http://schemas.openxmlformats.org/presentationml/2006/main">
+  <p:cSld>
+    <p:spTree>
+      <p:nvGrpSpPr>
+        <p:cNvPr id="1" name=""/>
+        <p:cNvGrpSpPr/>
+        <p:nvPr/>
+      </p:nvGrpSpPr>
+      <p:grpSpPr>
+        <a:xfrm>
+          <a:off x="0" y="0"/>
+          <a:ext cx="0" cy="0"/>
+          <a:chOff x="0" y="0"/>
+          <a:chExt cx="0" cy="0"/>
+        </a:xfrm>
+      </p:grpSpPr>
+      <p:sp>
+        <p:nvSpPr>
+          <p:cNvPr id="3" name="标题 2">
+            <a:extLst>
+              <a:ext uri="{FF2B5EF4-FFF2-40B4-BE49-F238E27FC236}">
+                <a16:creationId xmlns:a16="http://schemas.microsoft.com/office/drawing/2014/main" id="{0E88D809-01BC-4BA0-B5B3-4F52ECC1F981}"/>
+              </a:ext>
+            </a:extLst>
+          </p:cNvPr>
+          <p:cNvSpPr>
+            <a:spLocks noGrp="1"/>
+          </p:cNvSpPr>
+          <p:nvPr>
+            <p:ph type="title"/>
+          </p:nvPr>
+        </p:nvSpPr>
+        <p:spPr/>
+        <p:txBody>
+          <a:bodyPr/>
+          <a:lstStyle/>
+          <a:p>
+            <a:r>
+              <a:rPr lang="en-US" altLang="zh-CN" dirty="0" err="1"/>
+              <a:t>Pydroid</a:t>
+            </a:r>
+            <a:r>
+              <a:rPr lang="en-US" altLang="zh-CN" dirty="0"/>
+              <a:t> 3</a:t>
+            </a:r>
+            <a:endParaRPr lang="zh-CN" altLang="en-US" dirty="0"/>
+          </a:p>
+        </p:txBody>
+      </p:sp>
+      <p:sp>
+        <p:nvSpPr>
+          <p:cNvPr id="4" name="文本占位符 3">
+            <a:extLst>
+              <a:ext uri="{FF2B5EF4-FFF2-40B4-BE49-F238E27FC236}">
+                <a16:creationId xmlns:a16="http://schemas.microsoft.com/office/drawing/2014/main" id="{6A0BEF02-4536-4B2C-86CA-AF2D30E4C042}"/>
+              </a:ext>
+            </a:extLst>
+          </p:cNvPr>
+          <p:cNvSpPr>
+            <a:spLocks noGrp="1"/>
+          </p:cNvSpPr>
+          <p:nvPr>
+            <p:ph type="body" sz="quarter" idx="13"/>
+          </p:nvPr>
+        </p:nvSpPr>
+        <p:spPr/>
+        <p:txBody>
+          <a:bodyPr>
+            <a:normAutofit fontScale="85000" lnSpcReduction="20000"/>
+          </a:bodyPr>
+          <a:lstStyle/>
+          <a:p>
+            <a:r>
+              <a:rPr lang="en-US" altLang="zh-CN" dirty="0"/>
+              <a:t>2</a:t>
+            </a:r>
+            <a:endParaRPr lang="zh-CN" altLang="en-US" dirty="0"/>
+          </a:p>
+        </p:txBody>
+      </p:sp>
+      <p:sp>
+        <p:nvSpPr>
+          <p:cNvPr id="2" name="灯片编号占位符 1">
+            <a:extLst>
+              <a:ext uri="{FF2B5EF4-FFF2-40B4-BE49-F238E27FC236}">
+                <a16:creationId xmlns:a16="http://schemas.microsoft.com/office/drawing/2014/main" id="{4605C4AF-10DA-4383-B935-E242C86F46B6}"/>
+              </a:ext>
+            </a:extLst>
+          </p:cNvPr>
+          <p:cNvSpPr>
+            <a:spLocks noGrp="1"/>
+          </p:cNvSpPr>
+          <p:nvPr>
+            <p:ph type="sldNum" sz="quarter" idx="12"/>
+          </p:nvPr>
+        </p:nvSpPr>
+        <p:spPr/>
+        <p:txBody>
+          <a:bodyPr/>
+          <a:lstStyle/>
+          <a:p>
+            <a:fld id="{62CDD4FC-8CC6-422A-BB5C-9AD3EF3AE163}" type="slidenum">
+              <a:rPr lang="zh-CN" altLang="en-US" smtClean="0"/>
+              <a:pPr/>
+              <a:t>22</a:t>
+            </a:fld>
+            <a:endParaRPr lang="zh-CN" altLang="en-US" dirty="0"/>
+          </a:p>
+        </p:txBody>
+      </p:sp>
+      <p:pic>
+        <p:nvPicPr>
+          <p:cNvPr id="10" name="图片 9">
+            <a:extLst>
+              <a:ext uri="{FF2B5EF4-FFF2-40B4-BE49-F238E27FC236}">
+                <a16:creationId xmlns:a16="http://schemas.microsoft.com/office/drawing/2014/main" id="{C95EB625-1C7C-4F0C-9AAB-0429FA1777DE}"/>
+              </a:ext>
+            </a:extLst>
+          </p:cNvPr>
+          <p:cNvPicPr>
+            <a:picLocks noChangeAspect="1"/>
+          </p:cNvPicPr>
+          <p:nvPr/>
+        </p:nvPicPr>
+        <p:blipFill>
+          <a:blip r:embed="rId2" cstate="print">
+            <a:extLst>
+              <a:ext uri="{28A0092B-C50C-407E-A947-70E740481C1C}">
+                <a14:useLocalDpi xmlns:a14="http://schemas.microsoft.com/office/drawing/2010/main" val="0"/>
+              </a:ext>
+            </a:extLst>
+          </a:blip>
+          <a:stretch>
+            <a:fillRect/>
+          </a:stretch>
+        </p:blipFill>
+        <p:spPr>
+          <a:xfrm>
+            <a:off x="3253993" y="1085877"/>
+            <a:ext cx="2636014" cy="4686246"/>
+          </a:xfrm>
+          <a:prstGeom prst="rect">
+            <a:avLst/>
+          </a:prstGeom>
+          <a:ln>
+            <a:noFill/>
+          </a:ln>
+          <a:effectLst>
+            <a:outerShdw blurRad="292100" dist="139700" dir="2700000" algn="tl" rotWithShape="0">
+              <a:srgbClr val="333333">
+                <a:alpha val="65000"/>
+              </a:srgbClr>
+            </a:outerShdw>
+          </a:effectLst>
+        </p:spPr>
+      </p:pic>
+      <p:pic>
+        <p:nvPicPr>
+          <p:cNvPr id="12" name="图片 11">
+            <a:extLst>
+              <a:ext uri="{FF2B5EF4-FFF2-40B4-BE49-F238E27FC236}">
+                <a16:creationId xmlns:a16="http://schemas.microsoft.com/office/drawing/2014/main" id="{3F08641A-6E2B-4F21-8D63-A3189BE5B3DE}"/>
+              </a:ext>
+            </a:extLst>
+          </p:cNvPr>
+          <p:cNvPicPr>
+            <a:picLocks noChangeAspect="1"/>
+          </p:cNvPicPr>
+          <p:nvPr/>
+        </p:nvPicPr>
+        <p:blipFill>
+          <a:blip r:embed="rId3" cstate="print">
+            <a:extLst>
+              <a:ext uri="{28A0092B-C50C-407E-A947-70E740481C1C}">
+                <a14:useLocalDpi xmlns:a14="http://schemas.microsoft.com/office/drawing/2010/main" val="0"/>
+              </a:ext>
+            </a:extLst>
+          </a:blip>
+          <a:stretch>
+            <a:fillRect/>
+          </a:stretch>
+        </p:blipFill>
+        <p:spPr>
+          <a:xfrm>
+            <a:off x="126326" y="1085877"/>
+            <a:ext cx="2636013" cy="4686246"/>
+          </a:xfrm>
+          <a:prstGeom prst="rect">
+            <a:avLst/>
+          </a:prstGeom>
+          <a:ln>
+            <a:noFill/>
+          </a:ln>
+          <a:effectLst>
+            <a:outerShdw blurRad="292100" dist="139700" dir="2700000" algn="tl" rotWithShape="0">
+              <a:srgbClr val="333333">
+                <a:alpha val="65000"/>
+              </a:srgbClr>
+            </a:outerShdw>
+          </a:effectLst>
+        </p:spPr>
+      </p:pic>
+      <p:pic>
+        <p:nvPicPr>
+          <p:cNvPr id="13" name="图片 12">
+            <a:extLst>
+              <a:ext uri="{FF2B5EF4-FFF2-40B4-BE49-F238E27FC236}">
+                <a16:creationId xmlns:a16="http://schemas.microsoft.com/office/drawing/2014/main" id="{4DF6CB79-D731-41A4-B37C-95FB43793CEB}"/>
+              </a:ext>
+            </a:extLst>
+          </p:cNvPr>
+          <p:cNvPicPr>
+            <a:picLocks noChangeAspect="1"/>
+          </p:cNvPicPr>
+          <p:nvPr/>
+        </p:nvPicPr>
+        <p:blipFill>
+          <a:blip r:embed="rId4" cstate="print">
+            <a:extLst>
+              <a:ext uri="{28A0092B-C50C-407E-A947-70E740481C1C}">
+                <a14:useLocalDpi xmlns:a14="http://schemas.microsoft.com/office/drawing/2010/main" val="0"/>
+              </a:ext>
+            </a:extLst>
+          </a:blip>
+          <a:stretch>
+            <a:fillRect/>
+          </a:stretch>
+        </p:blipFill>
+        <p:spPr>
+          <a:xfrm>
+            <a:off x="6318795" y="1085877"/>
+            <a:ext cx="2636014" cy="4686246"/>
+          </a:xfrm>
+          <a:prstGeom prst="rect">
+            <a:avLst/>
+          </a:prstGeom>
+          <a:ln>
+            <a:noFill/>
+          </a:ln>
+          <a:effectLst>
+            <a:outerShdw blurRad="292100" dist="139700" dir="2700000" algn="tl" rotWithShape="0">
+              <a:srgbClr val="333333">
+                <a:alpha val="65000"/>
+              </a:srgbClr>
+            </a:outerShdw>
+          </a:effectLst>
+        </p:spPr>
+      </p:pic>
+    </p:spTree>
+    <p:extLst>
+      <p:ext uri="{BB962C8B-B14F-4D97-AF65-F5344CB8AC3E}">
+        <p14:creationId xmlns:p14="http://schemas.microsoft.com/office/powerpoint/2010/main" val="181760379"/>
+      </p:ext>
+    </p:extLst>
+  </p:cSld>
+  <p:clrMapOvr>
+    <a:masterClrMapping/>
+  </p:clrMapOvr>
+</p:sld>
+</file>
+
+<file path=ppt/slides/slide23.xml><?xml version="1.0" encoding="utf-8"?>
+<p:sld xmlns:a="http://schemas.openxmlformats.org/drawingml/2006/main" xmlns:r="http://schemas.openxmlformats.org/officeDocument/2006/relationships" xmlns:p="http://schemas.openxmlformats.org/presentationml/2006/main">
+  <p:cSld>
+    <p:spTree>
+      <p:nvGrpSpPr>
+        <p:cNvPr id="1" name=""/>
+        <p:cNvGrpSpPr/>
+        <p:nvPr/>
+      </p:nvGrpSpPr>
+      <p:grpSpPr>
+        <a:xfrm>
+          <a:off x="0" y="0"/>
+          <a:ext cx="0" cy="0"/>
+          <a:chOff x="0" y="0"/>
+          <a:chExt cx="0" cy="0"/>
+        </a:xfrm>
+      </p:grpSpPr>
+      <p:sp>
+        <p:nvSpPr>
+          <p:cNvPr id="4" name="灯片编号占位符 3">
+            <a:extLst>
+              <a:ext uri="{FF2B5EF4-FFF2-40B4-BE49-F238E27FC236}">
+                <a16:creationId xmlns:a16="http://schemas.microsoft.com/office/drawing/2014/main" id="{E04E9EF5-5A49-47D5-A839-3DE7D6D99CB4}"/>
+              </a:ext>
+            </a:extLst>
+          </p:cNvPr>
+          <p:cNvSpPr>
+            <a:spLocks noGrp="1"/>
+          </p:cNvSpPr>
+          <p:nvPr>
+            <p:ph type="sldNum" sz="quarter" idx="12"/>
+          </p:nvPr>
+        </p:nvSpPr>
+        <p:spPr/>
+        <p:txBody>
+          <a:bodyPr/>
+          <a:lstStyle/>
+          <a:p>
+            <a:fld id="{62CDD4FC-8CC6-422A-BB5C-9AD3EF3AE163}" type="slidenum">
+              <a:rPr lang="zh-CN" altLang="en-US" smtClean="0"/>
+              <a:pPr/>
+              <a:t>23</a:t>
+            </a:fld>
+            <a:endParaRPr lang="zh-CN" altLang="en-US" dirty="0"/>
+          </a:p>
+        </p:txBody>
+      </p:sp>
+      <p:pic>
+        <p:nvPicPr>
+          <p:cNvPr id="6" name="图片 5">
+            <a:extLst>
+              <a:ext uri="{FF2B5EF4-FFF2-40B4-BE49-F238E27FC236}">
+                <a16:creationId xmlns:a16="http://schemas.microsoft.com/office/drawing/2014/main" id="{E21BEF11-510C-4C49-97EF-A425E4FB7AF4}"/>
+              </a:ext>
+            </a:extLst>
+          </p:cNvPr>
+          <p:cNvPicPr>
+            <a:picLocks noChangeAspect="1"/>
+          </p:cNvPicPr>
+          <p:nvPr/>
+        </p:nvPicPr>
+        <p:blipFill>
+          <a:blip r:embed="rId2" cstate="print">
+            <a:extLst>
+              <a:ext uri="{28A0092B-C50C-407E-A947-70E740481C1C}">
+                <a14:useLocalDpi xmlns:a14="http://schemas.microsoft.com/office/drawing/2010/main" val="0"/>
+              </a:ext>
+            </a:extLst>
+          </a:blip>
+          <a:stretch>
+            <a:fillRect/>
+          </a:stretch>
+        </p:blipFill>
+        <p:spPr>
+          <a:xfrm>
+            <a:off x="5404666" y="765544"/>
+            <a:ext cx="2739213" cy="4869712"/>
+          </a:xfrm>
+          <a:prstGeom prst="rect">
+            <a:avLst/>
+          </a:prstGeom>
+          <a:ln>
+            <a:noFill/>
+          </a:ln>
+          <a:effectLst>
+            <a:outerShdw blurRad="292100" dist="139700" dir="2700000" algn="tl" rotWithShape="0">
+              <a:srgbClr val="333333">
+                <a:alpha val="65000"/>
+              </a:srgbClr>
+            </a:outerShdw>
+          </a:effectLst>
+        </p:spPr>
+      </p:pic>
+      <p:pic>
+        <p:nvPicPr>
+          <p:cNvPr id="10" name="图片 9">
+            <a:extLst>
+              <a:ext uri="{FF2B5EF4-FFF2-40B4-BE49-F238E27FC236}">
+                <a16:creationId xmlns:a16="http://schemas.microsoft.com/office/drawing/2014/main" id="{C1F4EB3D-C4F4-4103-ABC2-0BB0A8FA5C3C}"/>
+              </a:ext>
+            </a:extLst>
+          </p:cNvPr>
+          <p:cNvPicPr>
+            <a:picLocks noChangeAspect="1"/>
+          </p:cNvPicPr>
+          <p:nvPr/>
+        </p:nvPicPr>
+        <p:blipFill>
+          <a:blip r:embed="rId3" cstate="print">
+            <a:extLst>
+              <a:ext uri="{28A0092B-C50C-407E-A947-70E740481C1C}">
+                <a14:useLocalDpi xmlns:a14="http://schemas.microsoft.com/office/drawing/2010/main" val="0"/>
+              </a:ext>
+            </a:extLst>
+          </a:blip>
+          <a:stretch>
+            <a:fillRect/>
+          </a:stretch>
+        </p:blipFill>
+        <p:spPr>
+          <a:xfrm>
+            <a:off x="1079867" y="765544"/>
+            <a:ext cx="2739213" cy="4869712"/>
+          </a:xfrm>
+          <a:prstGeom prst="rect">
+            <a:avLst/>
+          </a:prstGeom>
+          <a:ln>
+            <a:noFill/>
+          </a:ln>
+          <a:effectLst>
+            <a:outerShdw blurRad="292100" dist="139700" dir="2700000" algn="tl" rotWithShape="0">
+              <a:srgbClr val="333333">
+                <a:alpha val="65000"/>
+              </a:srgbClr>
+            </a:outerShdw>
+          </a:effectLst>
+        </p:spPr>
+      </p:pic>
+    </p:spTree>
+    <p:extLst>
+      <p:ext uri="{BB962C8B-B14F-4D97-AF65-F5344CB8AC3E}">
+        <p14:creationId xmlns:p14="http://schemas.microsoft.com/office/powerpoint/2010/main" val="1971068822"/>
+      </p:ext>
+    </p:extLst>
+  </p:cSld>
+  <p:clrMapOvr>
+    <a:masterClrMapping/>
+  </p:clrMapOvr>
+</p:sld>
+</file>
+
+<file path=ppt/slides/slide24.xml><?xml version="1.0" encoding="utf-8"?>
+<p:sld xmlns:a="http://schemas.openxmlformats.org/drawingml/2006/main" xmlns:r="http://schemas.openxmlformats.org/officeDocument/2006/relationships" xmlns:p="http://schemas.openxmlformats.org/presentationml/2006/main">
+  <p:cSld>
+    <p:spTree>
+      <p:nvGrpSpPr>
+        <p:cNvPr id="1" name=""/>
+        <p:cNvGrpSpPr/>
+        <p:nvPr/>
+      </p:nvGrpSpPr>
+      <p:grpSpPr>
+        <a:xfrm>
+          <a:off x="0" y="0"/>
+          <a:ext cx="0" cy="0"/>
+          <a:chOff x="0" y="0"/>
+          <a:chExt cx="0" cy="0"/>
+        </a:xfrm>
+      </p:grpSpPr>
+      <p:sp>
+        <p:nvSpPr>
+          <p:cNvPr id="2" name="标题 1">
+            <a:extLst>
+              <a:ext uri="{FF2B5EF4-FFF2-40B4-BE49-F238E27FC236}">
+                <a16:creationId xmlns:a16="http://schemas.microsoft.com/office/drawing/2014/main" id="{26929B0C-9DEC-4B7A-96BD-EE654A6C3915}"/>
+              </a:ext>
+            </a:extLst>
+          </p:cNvPr>
+          <p:cNvSpPr>
+            <a:spLocks noGrp="1"/>
+          </p:cNvSpPr>
+          <p:nvPr>
+            <p:ph type="title"/>
+          </p:nvPr>
+        </p:nvSpPr>
+        <p:spPr/>
+        <p:txBody>
+          <a:bodyPr/>
+          <a:lstStyle/>
+          <a:p>
+            <a:r>
+              <a:rPr lang="zh-CN" altLang="en-US" dirty="0"/>
+              <a:t>纸笔</a:t>
+            </a:r>
+            <a:r>
+              <a:rPr lang="en-US" altLang="zh-CN" dirty="0"/>
+              <a:t>+</a:t>
+            </a:r>
+            <a:r>
+              <a:rPr lang="zh-CN" altLang="en-US" dirty="0"/>
+              <a:t>大脑</a:t>
+            </a:r>
+          </a:p>
+        </p:txBody>
+      </p:sp>
+      <p:sp>
+        <p:nvSpPr>
+          <p:cNvPr id="3" name="文本占位符 2">
+            <a:extLst>
+              <a:ext uri="{FF2B5EF4-FFF2-40B4-BE49-F238E27FC236}">
+                <a16:creationId xmlns:a16="http://schemas.microsoft.com/office/drawing/2014/main" id="{5785014E-727A-4533-9AFC-94008AB9CC00}"/>
+              </a:ext>
+            </a:extLst>
+          </p:cNvPr>
+          <p:cNvSpPr>
+            <a:spLocks noGrp="1"/>
+          </p:cNvSpPr>
+          <p:nvPr>
+            <p:ph type="body" sz="quarter" idx="10"/>
+          </p:nvPr>
+        </p:nvSpPr>
+        <p:spPr/>
+        <p:txBody>
+          <a:bodyPr/>
+          <a:lstStyle/>
+          <a:p>
+            <a:r>
+              <a:rPr lang="en-US" altLang="zh-CN" dirty="0"/>
+              <a:t>3</a:t>
+            </a:r>
+            <a:endParaRPr lang="zh-CN" altLang="en-US" dirty="0"/>
+          </a:p>
+        </p:txBody>
+      </p:sp>
+    </p:spTree>
+    <p:extLst>
+      <p:ext uri="{BB962C8B-B14F-4D97-AF65-F5344CB8AC3E}">
+        <p14:creationId xmlns:p14="http://schemas.microsoft.com/office/powerpoint/2010/main" val="2668215046"/>
+      </p:ext>
+    </p:extLst>
+  </p:cSld>
+  <p:clrMapOvr>
+    <a:masterClrMapping/>
+  </p:clrMapOvr>
+</p:sld>
+</file>
+
+<file path=ppt/slides/slide25.xml><?xml version="1.0" encoding="utf-8"?>
+<p:sld xmlns:a="http://schemas.openxmlformats.org/drawingml/2006/main" xmlns:r="http://schemas.openxmlformats.org/officeDocument/2006/relationships" xmlns:p="http://schemas.openxmlformats.org/presentationml/2006/main">
+  <p:cSld>
+    <p:spTree>
+      <p:nvGrpSpPr>
+        <p:cNvPr id="1" name=""/>
+        <p:cNvGrpSpPr/>
+        <p:nvPr/>
+      </p:nvGrpSpPr>
+      <p:grpSpPr>
+        <a:xfrm>
+          <a:off x="0" y="0"/>
+          <a:ext cx="0" cy="0"/>
+          <a:chOff x="0" y="0"/>
+          <a:chExt cx="0" cy="0"/>
+        </a:xfrm>
+      </p:grpSpPr>
+      <p:sp>
+        <p:nvSpPr>
           <p:cNvPr id="2" name="标题 1">
             <a:extLst>
               <a:ext uri="{FF2B5EF4-FFF2-40B4-BE49-F238E27FC236}">
@@ -15034,7 +16319,9 @@
           </a:xfrm>
         </p:spPr>
         <p:txBody>
-          <a:bodyPr/>
+          <a:bodyPr>
+            <a:normAutofit/>
+          </a:bodyPr>
           <a:lstStyle/>
           <a:p>
             <a:r>
@@ -15055,6 +16342,22 @@
             <a:r>
               <a:rPr lang="zh-CN" altLang="en-US" dirty="0"/>
               <a:t>下载参考资料并预习</a:t>
+            </a:r>
+            <a:r>
+              <a:rPr lang="en-US" altLang="zh-CN" dirty="0">
+                <a:highlight>
+                  <a:srgbClr val="C0C0C0"/>
+                </a:highlight>
+              </a:rPr>
+              <a:t>Python</a:t>
+            </a:r>
+            <a:r>
+              <a:rPr lang="zh-CN" altLang="en-US" dirty="0">
+                <a:highlight>
+                  <a:srgbClr val="C0C0C0"/>
+                </a:highlight>
+              </a:rPr>
+              <a:t>基本元素</a:t>
             </a:r>
           </a:p>
         </p:txBody>
@@ -18102,7 +19405,7 @@
         </p:nvSpPr>
         <p:spPr>
           <a:xfrm>
-            <a:off x="628650" y="785614"/>
+            <a:off x="628650" y="977000"/>
             <a:ext cx="7886700" cy="4700786"/>
           </a:xfrm>
         </p:spPr>
@@ -18114,7 +19417,7 @@
           <a:p>
             <a:pPr>
               <a:lnSpc>
-                <a:spcPct val="200000"/>
+                <a:spcPct val="150000"/>
               </a:lnSpc>
             </a:pPr>
             <a:r>
@@ -18126,7 +19429,7 @@
           <a:p>
             <a:pPr>
               <a:lnSpc>
-                <a:spcPct val="200000"/>
+                <a:spcPct val="150000"/>
               </a:lnSpc>
             </a:pPr>
             <a:r>
@@ -18138,7 +19441,7 @@
           <a:p>
             <a:pPr>
               <a:lnSpc>
-                <a:spcPct val="200000"/>
+                <a:spcPct val="150000"/>
               </a:lnSpc>
             </a:pPr>
             <a:r>
@@ -18150,7 +19453,7 @@
           <a:p>
             <a:pPr>
               <a:lnSpc>
-                <a:spcPct val="200000"/>
+                <a:spcPct val="150000"/>
               </a:lnSpc>
             </a:pPr>
             <a:r>

--- a/0试讲暨教学准备会/幻灯片.pptx
+++ b/0试讲暨教学准备会/幻灯片.pptx
@@ -4628,7 +4628,7 @@
           <a:p>
             <a:fld id="{64DAF121-ACAD-4BCB-B03A-817307AFB709}" type="datetimeFigureOut">
               <a:rPr lang="zh-CN" altLang="en-US" smtClean="0"/>
-              <a:t>2020/2/14</a:t>
+              <a:t>2020/2/15</a:t>
             </a:fld>
             <a:endParaRPr lang="zh-CN" altLang="en-US"/>
           </a:p>
@@ -19749,7 +19749,7 @@
           <p:nvPr>
             <p:extLst>
               <p:ext uri="{D42A27DB-BD31-4B8C-83A1-F6EECF244321}">
-                <p14:modId xmlns:p14="http://schemas.microsoft.com/office/powerpoint/2010/main" val="3791629400"/>
+                <p14:modId xmlns:p14="http://schemas.microsoft.com/office/powerpoint/2010/main" val="3098183668"/>
               </p:ext>
             </p:extLst>
           </p:nvPr>
@@ -20072,7 +20072,7 @@
                         <a:rPr lang="en-US" altLang="zh-CN" sz="1600" dirty="0">
                           <a:effectLst/>
                         </a:rPr>
-                        <a:t>14:30-16:30</a:t>
+                        <a:t>10:00-12:00</a:t>
                       </a:r>
                     </a:p>
                   </a:txBody>
@@ -20288,7 +20288,7 @@
                         <a:rPr lang="en-US" altLang="zh-CN" sz="1600" dirty="0">
                           <a:effectLst/>
                         </a:rPr>
-                        <a:t>14:30-16:30</a:t>
+                        <a:t>10:00-12:00</a:t>
                       </a:r>
                     </a:p>
                   </a:txBody>
@@ -20504,7 +20504,7 @@
                         <a:rPr lang="en-US" altLang="zh-CN" sz="1600" dirty="0">
                           <a:effectLst/>
                         </a:rPr>
-                        <a:t>14:30-16:30</a:t>
+                        <a:t>10:00-12:00</a:t>
                       </a:r>
                     </a:p>
                   </a:txBody>
@@ -20720,7 +20720,7 @@
                         <a:rPr lang="en-US" altLang="zh-CN" sz="1600" dirty="0">
                           <a:effectLst/>
                         </a:rPr>
-                        <a:t>14:30-16:30</a:t>
+                        <a:t>10:00-12:00</a:t>
                       </a:r>
                     </a:p>
                   </a:txBody>
@@ -20936,7 +20936,7 @@
                         <a:rPr lang="en-US" altLang="zh-CN" sz="1600" dirty="0">
                           <a:effectLst/>
                         </a:rPr>
-                        <a:t>14:30-16:30</a:t>
+                        <a:t>10:00-12:00</a:t>
                       </a:r>
                     </a:p>
                   </a:txBody>
@@ -21152,7 +21152,7 @@
                         <a:rPr lang="en-US" altLang="zh-CN" sz="1600" dirty="0">
                           <a:effectLst/>
                         </a:rPr>
-                        <a:t>14:30-16:30</a:t>
+                        <a:t>10:00-12:00</a:t>
                       </a:r>
                     </a:p>
                   </a:txBody>
@@ -21368,7 +21368,7 @@
                         <a:rPr lang="en-US" altLang="zh-CN" sz="1600" dirty="0">
                           <a:effectLst/>
                         </a:rPr>
-                        <a:t>14:30-16:30</a:t>
+                        <a:t>10:00-12:00</a:t>
                       </a:r>
                     </a:p>
                   </a:txBody>
@@ -21584,7 +21584,7 @@
                         <a:rPr lang="en-US" altLang="zh-CN" sz="1600" dirty="0">
                           <a:effectLst/>
                         </a:rPr>
-                        <a:t>14:30-16:30</a:t>
+                        <a:t>10:00-12:00</a:t>
                       </a:r>
                     </a:p>
                   </a:txBody>
@@ -21743,7 +21743,7 @@
             </a:r>
             <a:r>
               <a:rPr lang="en-US" altLang="zh-CN" dirty="0"/>
-              <a:t>14:30~16:30</a:t>
+              <a:t>10:00~12:00</a:t>
             </a:r>
             <a:r>
               <a:rPr lang="zh-CN" altLang="en-US" dirty="0"/>
